--- a/reports/Group_Pres_adeela.pptx
+++ b/reports/Group_Pres_adeela.pptx
@@ -124,7 +124,7 @@
   </p:defaultTextStyle>
   <p:extLst>
     <p:ext uri="{EFAFB233-063F-42B5-8137-9DF3F51BA10A}">
-      <p15:sldGuideLst xmlns:p15="http://schemas.microsoft.com/office/powerpoint/2012/main" xmlns="">
+      <p15:sldGuideLst xmlns:p15="http://schemas.microsoft.com/office/powerpoint/2012/main">
         <p15:guide id="1" orient="horz" pos="2160">
           <p15:clr>
             <a:srgbClr val="A4A3A4"/>
@@ -224,7 +224,7 @@
             <a:fld id="{064E87A5-431C-43AC-9DAC-0A734CB40C4B}" type="datetimeFigureOut">
               <a:rPr lang="en-GB" smtClean="0"/>
               <a:pPr/>
-              <a:t>08/02/2015</a:t>
+              <a:t>10/02/2015</a:t>
             </a:fld>
             <a:endParaRPr lang="en-GB"/>
           </a:p>
@@ -304,7 +304,7 @@
     </p:spTree>
     <p:extLst>
       <p:ext uri="{BB962C8B-B14F-4D97-AF65-F5344CB8AC3E}">
-        <p14:creationId xmlns:p14="http://schemas.microsoft.com/office/powerpoint/2010/main" xmlns="" val="3909512158"/>
+        <p14:creationId xmlns:p14="http://schemas.microsoft.com/office/powerpoint/2010/main" val="3909512158"/>
       </p:ext>
     </p:extLst>
   </p:cSld>
@@ -396,7 +396,7 @@
             <a:fld id="{937C5A73-F4F4-41EA-AE89-C26D922EBAF3}" type="datetimeFigureOut">
               <a:rPr lang="en-GB" smtClean="0"/>
               <a:pPr/>
-              <a:t>08/02/2015</a:t>
+              <a:t>10/02/2015</a:t>
             </a:fld>
             <a:endParaRPr lang="en-GB"/>
           </a:p>
@@ -569,7 +569,7 @@
     </p:spTree>
     <p:extLst>
       <p:ext uri="{BB962C8B-B14F-4D97-AF65-F5344CB8AC3E}">
-        <p14:creationId xmlns:p14="http://schemas.microsoft.com/office/powerpoint/2010/main" xmlns="" val="1968859748"/>
+        <p14:creationId xmlns:p14="http://schemas.microsoft.com/office/powerpoint/2010/main" val="1968859748"/>
       </p:ext>
     </p:extLst>
   </p:cSld>
@@ -721,7 +721,7 @@
     </p:spTree>
     <p:extLst>
       <p:ext uri="{BB962C8B-B14F-4D97-AF65-F5344CB8AC3E}">
-        <p14:creationId xmlns:p14="http://schemas.microsoft.com/office/powerpoint/2010/main" xmlns="" val="281681023"/>
+        <p14:creationId xmlns:p14="http://schemas.microsoft.com/office/powerpoint/2010/main" val="281681023"/>
       </p:ext>
     </p:extLst>
   </p:cSld>
@@ -782,7 +782,7 @@
     </p:spTree>
     <p:extLst>
       <p:ext uri="{BB962C8B-B14F-4D97-AF65-F5344CB8AC3E}">
-        <p14:creationId xmlns:p14="http://schemas.microsoft.com/office/powerpoint/2010/main" xmlns="" val="1453614523"/>
+        <p14:creationId xmlns:p14="http://schemas.microsoft.com/office/powerpoint/2010/main" val="1453614523"/>
       </p:ext>
     </p:extLst>
   </p:cSld>
@@ -843,7 +843,7 @@
     </p:spTree>
     <p:extLst>
       <p:ext uri="{BB962C8B-B14F-4D97-AF65-F5344CB8AC3E}">
-        <p14:creationId xmlns:p14="http://schemas.microsoft.com/office/powerpoint/2010/main" xmlns="" val="3213159674"/>
+        <p14:creationId xmlns:p14="http://schemas.microsoft.com/office/powerpoint/2010/main" val="3213159674"/>
       </p:ext>
     </p:extLst>
   </p:cSld>
@@ -904,7 +904,7 @@
     </p:spTree>
     <p:extLst>
       <p:ext uri="{BB962C8B-B14F-4D97-AF65-F5344CB8AC3E}">
-        <p14:creationId xmlns:p14="http://schemas.microsoft.com/office/powerpoint/2010/main" xmlns="" val="1137415272"/>
+        <p14:creationId xmlns:p14="http://schemas.microsoft.com/office/powerpoint/2010/main" val="1137415272"/>
       </p:ext>
     </p:extLst>
   </p:cSld>
@@ -965,7 +965,7 @@
     </p:spTree>
     <p:extLst>
       <p:ext uri="{BB962C8B-B14F-4D97-AF65-F5344CB8AC3E}">
-        <p14:creationId xmlns:p14="http://schemas.microsoft.com/office/powerpoint/2010/main" xmlns="" val="764091527"/>
+        <p14:creationId xmlns:p14="http://schemas.microsoft.com/office/powerpoint/2010/main" val="764091527"/>
       </p:ext>
     </p:extLst>
   </p:cSld>
@@ -1600,7 +1600,7 @@
           <a:p>
             <a:fld id="{259EF960-582A-4DA5-BF65-C606E91C0471}" type="datetime1">
               <a:rPr lang="en-GB" smtClean="0"/>
-              <a:t>08/02/2015</a:t>
+              <a:t>10/02/2015</a:t>
             </a:fld>
             <a:endParaRPr lang="en-GB"/>
           </a:p>
@@ -1801,7 +1801,7 @@
           <a:p>
             <a:fld id="{45E7EEC8-01A8-498E-9064-C65B40694C91}" type="datetime1">
               <a:rPr lang="en-GB" smtClean="0"/>
-              <a:t>08/02/2015</a:t>
+              <a:t>10/02/2015</a:t>
             </a:fld>
             <a:endParaRPr lang="en-GB"/>
           </a:p>
@@ -1991,7 +1991,7 @@
           <a:p>
             <a:fld id="{E4240CBD-0097-49BC-8435-8295DCDD4922}" type="datetime1">
               <a:rPr lang="en-GB" smtClean="0"/>
-              <a:t>08/02/2015</a:t>
+              <a:t>10/02/2015</a:t>
             </a:fld>
             <a:endParaRPr lang="en-GB"/>
           </a:p>
@@ -2146,7 +2146,7 @@
           <a:p>
             <a:fld id="{AD20C54A-AAB4-4E9B-B88D-13961D4743D9}" type="datetime1">
               <a:rPr lang="en-GB" smtClean="0"/>
-              <a:t>08/02/2015</a:t>
+              <a:t>10/02/2015</a:t>
             </a:fld>
             <a:endParaRPr lang="en-GB"/>
           </a:p>
@@ -2406,7 +2406,7 @@
           <a:p>
             <a:fld id="{9389D678-FEF1-4E06-AAA9-ABD79B874923}" type="datetime1">
               <a:rPr lang="en-GB" smtClean="0"/>
-              <a:t>08/02/2015</a:t>
+              <a:t>10/02/2015</a:t>
             </a:fld>
             <a:endParaRPr lang="en-GB"/>
           </a:p>
@@ -2820,7 +2820,7 @@
           <a:p>
             <a:fld id="{17159F1E-8733-4E5E-A5F5-F4B2D4747107}" type="datetime1">
               <a:rPr lang="en-GB" smtClean="0"/>
-              <a:t>08/02/2015</a:t>
+              <a:t>10/02/2015</a:t>
             </a:fld>
             <a:endParaRPr lang="en-GB"/>
           </a:p>
@@ -3271,7 +3271,7 @@
           <a:p>
             <a:fld id="{0A0C7E2A-327F-4D94-99CB-3D56875E52A3}" type="datetime1">
               <a:rPr lang="en-GB" smtClean="0"/>
-              <a:t>08/02/2015</a:t>
+              <a:t>10/02/2015</a:t>
             </a:fld>
             <a:endParaRPr lang="en-GB"/>
           </a:p>
@@ -3377,7 +3377,7 @@
           <a:p>
             <a:fld id="{C376BA3E-9050-4C4E-8BCD-DE39F9C74AC3}" type="datetime1">
               <a:rPr lang="en-GB" smtClean="0"/>
-              <a:t>08/02/2015</a:t>
+              <a:t>10/02/2015</a:t>
             </a:fld>
             <a:endParaRPr lang="en-GB"/>
           </a:p>
@@ -3503,7 +3503,7 @@
           <a:p>
             <a:fld id="{BC4F0E42-7185-433C-9C9F-95D9D525DC25}" type="datetime1">
               <a:rPr lang="en-GB" smtClean="0"/>
-              <a:t>08/02/2015</a:t>
+              <a:t>10/02/2015</a:t>
             </a:fld>
             <a:endParaRPr lang="en-GB"/>
           </a:p>
@@ -3782,7 +3782,7 @@
           <a:p>
             <a:fld id="{EFB562CC-B4E8-44DC-B096-43DB2A88B5C7}" type="datetime1">
               <a:rPr lang="en-GB" smtClean="0"/>
-              <a:t>08/02/2015</a:t>
+              <a:t>10/02/2015</a:t>
             </a:fld>
             <a:endParaRPr lang="en-GB"/>
           </a:p>
@@ -3992,7 +3992,7 @@
           <a:p>
             <a:fld id="{6574C843-C68E-4374-91D1-E04753A2C596}" type="datetime1">
               <a:rPr lang="en-GB" smtClean="0"/>
-              <a:t>08/02/2015</a:t>
+              <a:t>10/02/2015</a:t>
             </a:fld>
             <a:endParaRPr lang="en-GB"/>
           </a:p>
@@ -5106,7 +5106,7 @@
           <a:p>
             <a:fld id="{8204B271-8FD9-4711-B09A-1C3CED193F73}" type="datetime1">
               <a:rPr lang="en-GB" smtClean="0"/>
-              <a:t>08/02/2015</a:t>
+              <a:t>10/02/2015</a:t>
             </a:fld>
             <a:endParaRPr lang="en-GB"/>
           </a:p>
@@ -5531,8 +5531,8 @@
         </p:nvSpPr>
         <p:spPr>
           <a:xfrm>
-            <a:off x="1547664" y="1196752"/>
-            <a:ext cx="6048672" cy="851520"/>
+            <a:off x="539552" y="1196752"/>
+            <a:ext cx="8136904" cy="851520"/>
           </a:xfrm>
         </p:spPr>
         <p:txBody>
@@ -5542,8 +5542,12 @@
           <a:lstStyle/>
           <a:p>
             <a:r>
+              <a:rPr lang="en-GB" dirty="0" err="1" smtClean="0"/>
+              <a:t>SignalGreen</a:t>
+            </a:r>
+            <a:r>
               <a:rPr lang="en-GB" dirty="0" smtClean="0"/>
-              <a:t>Group Project</a:t>
+              <a:t> Group Project</a:t>
             </a:r>
             <a:endParaRPr lang="en-GB" dirty="0"/>
           </a:p>
@@ -5571,11 +5575,7 @@
           <a:p>
             <a:r>
               <a:rPr lang="en-GB" b="1" dirty="0" smtClean="0"/>
-              <a:t>Simulation </a:t>
-            </a:r>
-            <a:r>
-              <a:rPr lang="en-GB" b="1" dirty="0" smtClean="0"/>
-              <a:t>Engine for Testing </a:t>
+              <a:t>Simulation Engine for Testing </a:t>
             </a:r>
             <a:r>
               <a:rPr lang="en-GB" b="1" dirty="0"/>
@@ -5608,7 +5608,7 @@
     </p:spTree>
     <p:extLst>
       <p:ext uri="{BB962C8B-B14F-4D97-AF65-F5344CB8AC3E}">
-        <p14:creationId xmlns:p14="http://schemas.microsoft.com/office/powerpoint/2010/main" xmlns="" val="2274733807"/>
+        <p14:creationId xmlns:p14="http://schemas.microsoft.com/office/powerpoint/2010/main" val="2274733807"/>
       </p:ext>
     </p:extLst>
   </p:cSld>
@@ -5659,11 +5659,16 @@
           <a:p>
             <a:r>
               <a:rPr lang="en-GB" dirty="0" smtClean="0"/>
-              <a:t> Grid: N x N matrix, used by Agents to know their real </a:t>
-            </a:r>
+              <a:t> Grid: N x N matrix, used by agents to know their real position</a:t>
+            </a:r>
+          </a:p>
+          <a:p>
+            <a:endParaRPr lang="en-GB" dirty="0" smtClean="0"/>
+          </a:p>
+          <a:p>
             <a:r>
               <a:rPr lang="en-GB" dirty="0" smtClean="0"/>
-              <a:t>position.</a:t>
+              <a:t>Continuous Space: (x, y) coordinates used by UI to display agents during simulation</a:t>
             </a:r>
           </a:p>
           <a:p>
@@ -5672,34 +5677,8 @@
           <a:p>
             <a:r>
               <a:rPr lang="en-GB" dirty="0" smtClean="0"/>
-              <a:t>Continuous </a:t>
-            </a:r>
-            <a:r>
-              <a:rPr lang="en-GB" dirty="0" smtClean="0"/>
-              <a:t>Space: (x, y) coordinates used by UI to display Agents during </a:t>
-            </a:r>
-            <a:r>
-              <a:rPr lang="en-GB" dirty="0" smtClean="0"/>
-              <a:t>simulation.</a:t>
-            </a:r>
-          </a:p>
-          <a:p>
-            <a:endParaRPr lang="en-GB" dirty="0" smtClean="0"/>
-          </a:p>
-          <a:p>
-            <a:r>
-              <a:rPr lang="en-GB" dirty="0" smtClean="0"/>
-              <a:t>Network</a:t>
-            </a:r>
-            <a:r>
-              <a:rPr lang="en-GB" dirty="0" smtClean="0"/>
-              <a:t>: a directed graph, representing roads (edges) and intersections (nodes</a:t>
-            </a:r>
-            <a:r>
-              <a:rPr lang="en-GB" dirty="0" smtClean="0"/>
-              <a:t>).</a:t>
-            </a:r>
-            <a:endParaRPr lang="en-GB" dirty="0" smtClean="0"/>
+              <a:t>Network: a directed graph, representing roads (edges) and intersections (nodes)</a:t>
+            </a:r>
           </a:p>
           <a:p>
             <a:endParaRPr lang="en-GB" dirty="0"/>
@@ -5827,63 +5806,55 @@
           <a:p>
             <a:r>
               <a:rPr lang="en-GB" dirty="0" smtClean="0"/>
-              <a:t>M</a:t>
+              <a:t>Move within the </a:t>
+            </a:r>
+            <a:r>
+              <a:rPr lang="en-GB" dirty="0"/>
+              <a:t>e</a:t>
             </a:r>
             <a:r>
               <a:rPr lang="en-GB" dirty="0" smtClean="0"/>
-              <a:t>ove </a:t>
-            </a:r>
+              <a:t>nvironment</a:t>
+            </a:r>
+          </a:p>
+          <a:p>
+            <a:endParaRPr lang="en-GB" dirty="0" smtClean="0"/>
+          </a:p>
+          <a:p>
             <a:r>
               <a:rPr lang="en-GB" dirty="0" smtClean="0"/>
-              <a:t>within the </a:t>
+              <a:t>Know their position at any time</a:t>
+            </a:r>
+            <a:endParaRPr lang="en-GB" dirty="0"/>
+          </a:p>
+          <a:p>
+            <a:endParaRPr lang="en-GB" dirty="0" smtClean="0"/>
+          </a:p>
+          <a:p>
+            <a:r>
+              <a:rPr lang="en-GB" dirty="0"/>
+              <a:t>I</a:t>
             </a:r>
             <a:r>
               <a:rPr lang="en-GB" dirty="0" smtClean="0"/>
-              <a:t>Environment.</a:t>
-            </a:r>
-          </a:p>
-          <a:p>
-            <a:endParaRPr lang="en-GB" dirty="0" smtClean="0"/>
-          </a:p>
-          <a:p>
+              <a:t>nspect </a:t>
+            </a:r>
+            <a:r>
+              <a:rPr lang="en-GB" dirty="0"/>
+              <a:t>e</a:t>
+            </a:r>
             <a:r>
               <a:rPr lang="en-GB" dirty="0" smtClean="0"/>
-              <a:t> </a:t>
+              <a:t>nvironment to interact with other </a:t>
+            </a:r>
+            <a:r>
+              <a:rPr lang="en-GB" dirty="0"/>
+              <a:t>a</a:t>
             </a:r>
             <a:r>
               <a:rPr lang="en-GB" dirty="0" smtClean="0"/>
-              <a:t>Know </a:t>
-            </a:r>
-            <a:r>
-              <a:rPr lang="en-GB" dirty="0" smtClean="0"/>
-              <a:t>their position at any </a:t>
-            </a:r>
-            <a:r>
-              <a:rPr lang="en-GB" dirty="0" smtClean="0"/>
-              <a:t>time.</a:t>
-            </a:r>
-          </a:p>
-          <a:p>
-            <a:endParaRPr lang="en-GB" dirty="0" smtClean="0"/>
-          </a:p>
-          <a:p>
-            <a:r>
-              <a:rPr lang="en-GB" dirty="0" smtClean="0"/>
-              <a:t> </a:t>
-            </a:r>
-            <a:r>
-              <a:rPr lang="en-GB" dirty="0" smtClean="0"/>
-              <a:t>Can </a:t>
-            </a:r>
-            <a:r>
-              <a:rPr lang="en-GB" dirty="0" smtClean="0"/>
-              <a:t>inspect Environment to interact with other </a:t>
-            </a:r>
-            <a:r>
-              <a:rPr lang="en-GB" dirty="0" smtClean="0"/>
-              <a:t>Agents.</a:t>
-            </a:r>
-            <a:endParaRPr lang="en-GB" dirty="0" smtClean="0"/>
+              <a:t>gents</a:t>
+            </a:r>
           </a:p>
           <a:p>
             <a:endParaRPr lang="en-GB" dirty="0"/>
@@ -6013,24 +5984,16 @@
           <a:p>
             <a:r>
               <a:rPr lang="en-GB" dirty="0" smtClean="0"/>
-              <a:t>Simulation time is measured in discrete </a:t>
-            </a:r>
+              <a:t>Simulation time is measured in discrete ticks</a:t>
+            </a:r>
+          </a:p>
+          <a:p>
+            <a:endParaRPr lang="en-GB" dirty="0" smtClean="0"/>
+          </a:p>
+          <a:p>
             <a:r>
               <a:rPr lang="en-GB" dirty="0" smtClean="0"/>
-              <a:t>ticks.</a:t>
-            </a:r>
-          </a:p>
-          <a:p>
-            <a:endParaRPr lang="en-GB" dirty="0" smtClean="0"/>
-          </a:p>
-          <a:p>
-            <a:r>
-              <a:rPr lang="en-GB" dirty="0" smtClean="0"/>
-              <a:t>Methods </a:t>
-            </a:r>
-            <a:r>
-              <a:rPr lang="en-GB" dirty="0" smtClean="0"/>
-              <a:t>can be scheduled when time of action is known at compile time.</a:t>
+              <a:t>Methods can be scheduled when time of action is known at compile time</a:t>
             </a:r>
             <a:br>
               <a:rPr lang="en-GB" dirty="0" smtClean="0"/>
@@ -6040,11 +6003,7 @@
           <a:p>
             <a:r>
               <a:rPr lang="en-GB" dirty="0" smtClean="0"/>
-              <a:t>‘</a:t>
-            </a:r>
-            <a:r>
-              <a:rPr lang="en-GB" dirty="0" smtClean="0"/>
-              <a:t>watch’ annotation checks other Agents’ attributes at run time and react according to their behaviour.</a:t>
+              <a:t>‘Watch’ annotation checks other agents’ attributes at run time and reacts according to their behaviour</a:t>
             </a:r>
             <a:br>
               <a:rPr lang="en-GB" dirty="0" smtClean="0"/>
@@ -6129,7 +6088,7 @@
           <a:p>
             <a:r>
               <a:rPr lang="en-GB" dirty="0" smtClean="0"/>
-              <a:t>Agents’ Behaviour</a:t>
+              <a:t>Agent Behaviour</a:t>
             </a:r>
             <a:endParaRPr lang="en-GB" dirty="0"/>
           </a:p>
@@ -6427,7 +6386,7 @@
     </p:spTree>
     <p:extLst>
       <p:ext uri="{BB962C8B-B14F-4D97-AF65-F5344CB8AC3E}">
-        <p14:creationId xmlns:p14="http://schemas.microsoft.com/office/powerpoint/2010/main" xmlns="" val="2940952229"/>
+        <p14:creationId xmlns:p14="http://schemas.microsoft.com/office/powerpoint/2010/main" val="2940952229"/>
       </p:ext>
     </p:extLst>
   </p:cSld>
@@ -6478,7 +6437,7 @@
           <a:p>
             <a:r>
               <a:rPr lang="en-GB" dirty="0" smtClean="0"/>
-              <a:t>To Create a simulation engine to test traffic management strategies.</a:t>
+              <a:t>Create a simulation engine to test traffic management strategies</a:t>
             </a:r>
           </a:p>
           <a:p>
@@ -6487,7 +6446,7 @@
           <a:p>
             <a:r>
               <a:rPr lang="en-GB" dirty="0" smtClean="0"/>
-              <a:t>Demonstrate the ability to use the available engineering tools.</a:t>
+              <a:t>Demonstrate the ability to use the available engineering tools</a:t>
             </a:r>
           </a:p>
           <a:p>
@@ -6496,7 +6455,7 @@
           <a:p>
             <a:r>
               <a:rPr lang="en-GB" dirty="0" smtClean="0"/>
-              <a:t>Ability to work as a team.</a:t>
+              <a:t>Ability to work as a team</a:t>
             </a:r>
             <a:endParaRPr lang="en-GB" dirty="0"/>
           </a:p>
@@ -6566,7 +6525,7 @@
           <a:p>
             <a:r>
               <a:rPr lang="en-GB" dirty="0" smtClean="0"/>
-              <a:t>Aim</a:t>
+              <a:t>Aims</a:t>
             </a:r>
             <a:endParaRPr lang="en-GB" dirty="0"/>
           </a:p>
@@ -6621,29 +6580,23 @@
           <a:p>
             <a:r>
               <a:rPr lang="en-GB" b="1" dirty="0" smtClean="0"/>
-              <a:t>Adeela &amp; </a:t>
-            </a:r>
-            <a:r>
-              <a:rPr lang="en-GB" b="1" dirty="0" err="1" smtClean="0"/>
+              <a:t>Adeela </a:t>
+            </a:r>
+            <a:r>
+              <a:rPr lang="en-GB" b="1" dirty="0" smtClean="0"/>
+              <a:t>and </a:t>
+            </a:r>
+            <a:r>
+              <a:rPr lang="en-GB" b="1" dirty="0" smtClean="0"/>
               <a:t>Waqar</a:t>
             </a:r>
-            <a:endParaRPr lang="en-GB" b="1" dirty="0" smtClean="0"/>
           </a:p>
           <a:p>
             <a:pPr lvl="1"/>
             <a:r>
               <a:rPr lang="en-GB" dirty="0" smtClean="0"/>
-              <a:t>Work on network (Roads , Junctions , Traffic </a:t>
-            </a:r>
-            <a:r>
-              <a:rPr lang="en-GB" dirty="0" err="1" smtClean="0"/>
-              <a:t>ligts</a:t>
-            </a:r>
-            <a:r>
-              <a:rPr lang="en-GB" dirty="0" smtClean="0"/>
-              <a:t>)</a:t>
-            </a:r>
-            <a:endParaRPr lang="en-GB" dirty="0" smtClean="0"/>
+              <a:t>Road network</a:t>
+            </a:r>
           </a:p>
           <a:p>
             <a:endParaRPr lang="en-GB" dirty="0" smtClean="0"/>
@@ -6662,9 +6615,8 @@
             <a:pPr lvl="1"/>
             <a:r>
               <a:rPr lang="en-GB" dirty="0" smtClean="0"/>
-              <a:t>Work on Vehicles and behaviour</a:t>
-            </a:r>
-            <a:endParaRPr lang="en-GB" dirty="0" smtClean="0"/>
+              <a:t>Vehicles and behaviour</a:t>
+            </a:r>
           </a:p>
           <a:p>
             <a:endParaRPr lang="en-GB" dirty="0" smtClean="0"/>
@@ -6679,7 +6631,11 @@
             <a:pPr lvl="1"/>
             <a:r>
               <a:rPr lang="en-GB" dirty="0" smtClean="0"/>
-              <a:t>Documentation &amp; Testing</a:t>
+              <a:t>Documentation and </a:t>
+            </a:r>
+            <a:r>
+              <a:rPr lang="en-GB" dirty="0" smtClean="0"/>
+              <a:t>Coordination</a:t>
             </a:r>
             <a:endParaRPr lang="en-GB" dirty="0" smtClean="0"/>
           </a:p>
@@ -6815,7 +6771,6 @@
               <a:rPr lang="en-GB" dirty="0" smtClean="0"/>
               <a:t>Java</a:t>
             </a:r>
-            <a:endParaRPr lang="en-GB" dirty="0" smtClean="0"/>
           </a:p>
           <a:p>
             <a:r>
@@ -6832,15 +6787,7 @@
             <a:pPr lvl="1"/>
             <a:r>
               <a:rPr lang="en-GB" dirty="0" smtClean="0"/>
-              <a:t>Recursive </a:t>
-            </a:r>
-            <a:r>
-              <a:rPr lang="en-GB" dirty="0" smtClean="0"/>
-              <a:t>Porous Agent Simulation </a:t>
-            </a:r>
-            <a:r>
-              <a:rPr lang="en-GB" dirty="0" smtClean="0"/>
-              <a:t>Toolkit</a:t>
+              <a:t>Recursive Porous Agent Simulation Toolkit</a:t>
             </a:r>
           </a:p>
           <a:p>
@@ -6868,22 +6815,14 @@
             <a:pPr lvl="2"/>
             <a:r>
               <a:rPr lang="en-GB" dirty="0" smtClean="0"/>
-              <a:t> Agent-based </a:t>
+              <a:t>Agent-based </a:t>
             </a:r>
           </a:p>
           <a:p>
             <a:pPr lvl="2"/>
             <a:r>
               <a:rPr lang="en-GB" dirty="0" smtClean="0"/>
-              <a:t>Modelling </a:t>
-            </a:r>
-            <a:r>
-              <a:rPr lang="en-GB" dirty="0" smtClean="0"/>
-              <a:t>and </a:t>
-            </a:r>
-            <a:r>
-              <a:rPr lang="en-GB" dirty="0" smtClean="0"/>
-              <a:t>Simulation Toolkit</a:t>
+              <a:t>Modelling and Simulation Toolkit</a:t>
             </a:r>
             <a:endParaRPr lang="en-GB" dirty="0"/>
           </a:p>
@@ -6993,9 +6932,79 @@
           <a:chExt cx="0" cy="0"/>
         </a:xfrm>
       </p:grpSpPr>
+      <p:sp>
+        <p:nvSpPr>
+          <p:cNvPr id="3" name="Footer Placeholder 2"/>
+          <p:cNvSpPr>
+            <a:spLocks noGrp="1"/>
+          </p:cNvSpPr>
+          <p:nvPr>
+            <p:ph type="ftr" sz="quarter" idx="11"/>
+          </p:nvPr>
+        </p:nvSpPr>
+        <p:spPr/>
+        <p:txBody>
+          <a:bodyPr/>
+          <a:lstStyle/>
+          <a:p>
+            <a:r>
+              <a:rPr lang="en-GB" smtClean="0"/>
+              <a:t>7CCSMGPR</a:t>
+            </a:r>
+            <a:endParaRPr lang="en-GB"/>
+          </a:p>
+        </p:txBody>
+      </p:sp>
+      <p:sp>
+        <p:nvSpPr>
+          <p:cNvPr id="4" name="Slide Number Placeholder 3"/>
+          <p:cNvSpPr>
+            <a:spLocks noGrp="1"/>
+          </p:cNvSpPr>
+          <p:nvPr>
+            <p:ph type="sldNum" sz="quarter" idx="12"/>
+          </p:nvPr>
+        </p:nvSpPr>
+        <p:spPr/>
+        <p:txBody>
+          <a:bodyPr/>
+          <a:lstStyle/>
+          <a:p>
+            <a:fld id="{A4CC7881-A7BE-4D2C-8669-C42DDA38980E}" type="slidenum">
+              <a:rPr lang="en-GB" smtClean="0"/>
+              <a:pPr/>
+              <a:t>6</a:t>
+            </a:fld>
+            <a:endParaRPr lang="en-GB"/>
+          </a:p>
+        </p:txBody>
+      </p:sp>
+      <p:sp>
+        <p:nvSpPr>
+          <p:cNvPr id="5" name="Title 4"/>
+          <p:cNvSpPr>
+            <a:spLocks noGrp="1"/>
+          </p:cNvSpPr>
+          <p:nvPr>
+            <p:ph type="title"/>
+          </p:nvPr>
+        </p:nvSpPr>
+        <p:spPr/>
+        <p:txBody>
+          <a:bodyPr/>
+          <a:lstStyle/>
+          <a:p>
+            <a:r>
+              <a:rPr lang="en-GB" dirty="0" smtClean="0"/>
+              <a:t>Plan</a:t>
+            </a:r>
+            <a:endParaRPr lang="en-GB" dirty="0"/>
+          </a:p>
+        </p:txBody>
+      </p:sp>
       <p:pic>
         <p:nvPicPr>
-          <p:cNvPr id="6" name="Content Placeholder 5" descr="Signal_Green Gantt chart.jpg"/>
+          <p:cNvPr id="7" name="Content Placeholder 6"/>
           <p:cNvPicPr>
             <a:picLocks noGrp="1" noChangeAspect="1"/>
           </p:cNvPicPr>
@@ -7004,88 +7013,24 @@
           </p:nvPr>
         </p:nvPicPr>
         <p:blipFill>
-          <a:blip r:embed="rId2" cstate="print"/>
+          <a:blip r:embed="rId2">
+            <a:extLst>
+              <a:ext uri="{28A0092B-C50C-407E-A947-70E740481C1C}">
+                <a14:useLocalDpi xmlns:a14="http://schemas.microsoft.com/office/drawing/2010/main" val="0"/>
+              </a:ext>
+            </a:extLst>
+          </a:blip>
           <a:stretch>
             <a:fillRect/>
           </a:stretch>
         </p:blipFill>
         <p:spPr>
           <a:xfrm>
-            <a:off x="1547664" y="1124744"/>
-            <a:ext cx="7200800" cy="4959042"/>
+            <a:off x="1760953" y="1481138"/>
+            <a:ext cx="5622093" cy="4525962"/>
           </a:xfrm>
         </p:spPr>
       </p:pic>
-      <p:sp>
-        <p:nvSpPr>
-          <p:cNvPr id="3" name="Footer Placeholder 2"/>
-          <p:cNvSpPr>
-            <a:spLocks noGrp="1"/>
-          </p:cNvSpPr>
-          <p:nvPr>
-            <p:ph type="ftr" sz="quarter" idx="11"/>
-          </p:nvPr>
-        </p:nvSpPr>
-        <p:spPr/>
-        <p:txBody>
-          <a:bodyPr/>
-          <a:lstStyle/>
-          <a:p>
-            <a:r>
-              <a:rPr lang="en-GB" smtClean="0"/>
-              <a:t>7CCSMGPR</a:t>
-            </a:r>
-            <a:endParaRPr lang="en-GB"/>
-          </a:p>
-        </p:txBody>
-      </p:sp>
-      <p:sp>
-        <p:nvSpPr>
-          <p:cNvPr id="4" name="Slide Number Placeholder 3"/>
-          <p:cNvSpPr>
-            <a:spLocks noGrp="1"/>
-          </p:cNvSpPr>
-          <p:nvPr>
-            <p:ph type="sldNum" sz="quarter" idx="12"/>
-          </p:nvPr>
-        </p:nvSpPr>
-        <p:spPr/>
-        <p:txBody>
-          <a:bodyPr/>
-          <a:lstStyle/>
-          <a:p>
-            <a:fld id="{A4CC7881-A7BE-4D2C-8669-C42DDA38980E}" type="slidenum">
-              <a:rPr lang="en-GB" smtClean="0"/>
-              <a:pPr/>
-              <a:t>6</a:t>
-            </a:fld>
-            <a:endParaRPr lang="en-GB"/>
-          </a:p>
-        </p:txBody>
-      </p:sp>
-      <p:sp>
-        <p:nvSpPr>
-          <p:cNvPr id="5" name="Title 4"/>
-          <p:cNvSpPr>
-            <a:spLocks noGrp="1"/>
-          </p:cNvSpPr>
-          <p:nvPr>
-            <p:ph type="title"/>
-          </p:nvPr>
-        </p:nvSpPr>
-        <p:spPr/>
-        <p:txBody>
-          <a:bodyPr/>
-          <a:lstStyle/>
-          <a:p>
-            <a:r>
-              <a:rPr lang="en-GB" dirty="0" smtClean="0"/>
-              <a:t>Plan</a:t>
-            </a:r>
-            <a:endParaRPr lang="en-GB" dirty="0"/>
-          </a:p>
-        </p:txBody>
-      </p:sp>
     </p:spTree>
   </p:cSld>
   <p:clrMapOvr>
@@ -7201,7 +7146,7 @@
         </p:nvSpPr>
         <p:spPr>
           <a:xfrm>
-            <a:off x="462824" y="112210"/>
+            <a:off x="462824" y="304308"/>
             <a:ext cx="8229600" cy="820436"/>
           </a:xfrm>
         </p:spPr>
@@ -7244,7 +7189,7 @@
     </p:spTree>
     <p:extLst>
       <p:ext uri="{BB962C8B-B14F-4D97-AF65-F5344CB8AC3E}">
-        <p14:creationId xmlns:p14="http://schemas.microsoft.com/office/powerpoint/2010/main" xmlns="" val="967852168"/>
+        <p14:creationId xmlns:p14="http://schemas.microsoft.com/office/powerpoint/2010/main" val="967852168"/>
       </p:ext>
     </p:extLst>
   </p:cSld>
@@ -7451,46 +7396,21 @@
           <a:p>
             <a:r>
               <a:rPr lang="en-GB" b="1" dirty="0" smtClean="0"/>
-              <a:t>Simulation </a:t>
-            </a:r>
-            <a:r>
-              <a:rPr lang="en-GB" b="1" dirty="0" smtClean="0"/>
-              <a:t>Model class </a:t>
-            </a:r>
-            <a:endParaRPr lang="en-GB" b="1" dirty="0" smtClean="0"/>
+              <a:t>Simulation Model class </a:t>
+            </a:r>
           </a:p>
           <a:p>
             <a:pPr lvl="1"/>
             <a:r>
               <a:rPr lang="en-GB" dirty="0" smtClean="0"/>
-              <a:t>L</a:t>
-            </a:r>
+              <a:t>Loads the environment</a:t>
+            </a:r>
+          </a:p>
+          <a:p>
+            <a:pPr lvl="1"/>
             <a:r>
               <a:rPr lang="en-GB" dirty="0" smtClean="0"/>
-              <a:t>oads </a:t>
-            </a:r>
-            <a:r>
-              <a:rPr lang="en-GB" dirty="0" smtClean="0"/>
-              <a:t>the environment </a:t>
-            </a:r>
-            <a:r>
-              <a:rPr lang="en-GB" dirty="0" smtClean="0"/>
-              <a:t>. </a:t>
-            </a:r>
-          </a:p>
-          <a:p>
-            <a:pPr lvl="1"/>
-            <a:r>
-              <a:rPr lang="en-GB" dirty="0" smtClean="0"/>
-              <a:t>S</a:t>
-            </a:r>
-            <a:r>
-              <a:rPr lang="en-GB" dirty="0" smtClean="0"/>
-              <a:t>tarts </a:t>
-            </a:r>
-            <a:r>
-              <a:rPr lang="en-GB" dirty="0" smtClean="0"/>
-              <a:t>the UI.</a:t>
+              <a:t>Starts the UI</a:t>
             </a:r>
             <a:br>
               <a:rPr lang="en-GB" dirty="0" smtClean="0"/>
@@ -7504,60 +7424,46 @@
             </a:r>
             <a:r>
               <a:rPr lang="en-GB" dirty="0" smtClean="0"/>
-              <a:t> : A </a:t>
-            </a:r>
+              <a:t> : A Repast component contains:</a:t>
+            </a:r>
+          </a:p>
+          <a:p>
+            <a:pPr lvl="1"/>
             <a:r>
               <a:rPr lang="en-GB" dirty="0" smtClean="0"/>
-              <a:t>Repast component </a:t>
+              <a:t>Agents: vehicles, </a:t>
+            </a:r>
+            <a:r>
+              <a:rPr lang="en-GB" dirty="0"/>
+              <a:t>j</a:t>
             </a:r>
             <a:r>
               <a:rPr lang="en-GB" dirty="0" smtClean="0"/>
-              <a:t>contains</a:t>
-            </a:r>
+              <a:t>unctions, signals etc.</a:t>
+            </a:r>
+          </a:p>
+          <a:p>
+            <a:pPr lvl="1"/>
             <a:r>
               <a:rPr lang="en-GB" dirty="0" smtClean="0"/>
-              <a:t>:</a:t>
-            </a:r>
-          </a:p>
-          <a:p>
-            <a:pPr lvl="1"/>
+              <a:t> Environment: grid, continuous space, </a:t>
+            </a:r>
+            <a:r>
+              <a:rPr lang="en-GB" dirty="0"/>
+              <a:t>r</a:t>
+            </a:r>
             <a:r>
               <a:rPr lang="en-GB" dirty="0" smtClean="0"/>
-              <a:t>Agents</a:t>
+              <a:t>oad </a:t>
+            </a:r>
+            <a:r>
+              <a:rPr lang="en-GB" dirty="0"/>
+              <a:t>n</a:t>
             </a:r>
             <a:r>
               <a:rPr lang="en-GB" dirty="0" smtClean="0"/>
-              <a:t>: Vehicles, Junctions, </a:t>
-            </a:r>
-            <a:r>
-              <a:rPr lang="en-GB" dirty="0" err="1" smtClean="0"/>
-              <a:t>TrafficLights</a:t>
-            </a:r>
-            <a:r>
-              <a:rPr lang="en-GB" dirty="0" smtClean="0"/>
-              <a:t> etc.</a:t>
-            </a:r>
-          </a:p>
-          <a:p>
-            <a:pPr lvl="1"/>
-            <a:r>
-              <a:rPr lang="en-GB" dirty="0" smtClean="0"/>
-              <a:t> Environment: Grid, Continuous Space, and Road Network </a:t>
-            </a:r>
-            <a:r>
-              <a:rPr lang="en-GB" dirty="0" smtClean="0"/>
-              <a:t>digraph.</a:t>
-            </a:r>
-            <a:endParaRPr lang="en-GB" dirty="0" smtClean="0"/>
-          </a:p>
-          <a:p>
-            <a:r>
-              <a:rPr lang="en-GB" dirty="0" smtClean="0"/>
-              <a:t> </a:t>
-            </a:r>
-          </a:p>
-          <a:p>
-            <a:endParaRPr lang="en-GB" dirty="0"/>
+              <a:t>etwork digraph</a:t>
+            </a:r>
           </a:p>
         </p:txBody>
       </p:sp>
